--- a/Final slides.pptx
+++ b/Final slides.pptx
@@ -3631,13 +3631,9 @@
           <a:p>
             <a:r>
               <a:rPr lang="en-US" dirty="0" smtClean="0"/>
-              <a:t>Bugs fixed in mini</a:t>
-            </a:r>
-            <a:r>
-              <a:rPr lang="en-US" smtClean="0"/>
-              <a:t>-lisp</a:t>
-            </a:r>
-            <a:endParaRPr lang="en-US"/>
+              <a:t>Bugs fixed in mini-lisp</a:t>
+            </a:r>
+            <a:endParaRPr lang="en-US" dirty="0"/>
           </a:p>
         </p:txBody>
       </p:sp>
@@ -3656,7 +3652,7 @@
           <a:bodyPr/>
           <a:lstStyle/>
           <a:p>
-            <a:endParaRPr lang="en-US"/>
+            <a:endParaRPr lang="en-US" dirty="0"/>
           </a:p>
         </p:txBody>
       </p:sp>
